--- a/calendar-backend/Calendar-App-Presentation.pptx
+++ b/calendar-backend/Calendar-App-Presentation.pptx
@@ -122,6 +122,11 @@
       </a:defRPr>
     </a:lvl9pPr>
   </p:defaultTextStyle>
+  <p:extLst>
+    <p:ext uri="{EFAFB233-063F-42B5-8137-9DF3F51BA10A}">
+      <p15:sldGuideLst xmlns:p15="http://schemas.microsoft.com/office/powerpoint/2012/main"/>
+    </p:ext>
+  </p:extLst>
 </p:presentation>
 </file>
 
@@ -3371,7 +3376,6 @@
                   <a:srgbClr val="000000"/>
                 </a:solidFill>
                 <a:effectLst/>
-                <a:latin typeface="-webkit-standard"/>
               </a:rPr>
               <a:t>Simple Calendar Application</a:t>
             </a:r>
@@ -3669,7 +3673,6 @@
                   <a:srgbClr val="000000"/>
                 </a:solidFill>
                 <a:effectLst/>
-                <a:latin typeface="-webkit-standard"/>
               </a:rPr>
               <a:t>UI Features</a:t>
             </a:r>
@@ -3851,7 +3854,7 @@
           <a:lstStyle/>
           <a:p>
             <a:r>
-              <a:rPr lang="en-US" dirty="0"/>
+              <a:rPr lang="en-US" b="1" dirty="0"/>
               <a:t>UI Feature cont.</a:t>
             </a:r>
           </a:p>
@@ -4027,7 +4030,6 @@
                   <a:srgbClr val="000000"/>
                 </a:solidFill>
                 <a:effectLst/>
-                <a:latin typeface="-webkit-standard"/>
               </a:rPr>
               <a:t>API Integration (UI → Backend)</a:t>
             </a:r>
@@ -4181,7 +4183,6 @@
                   <a:srgbClr val="000000"/>
                 </a:solidFill>
                 <a:effectLst/>
-                <a:latin typeface="-webkit-standard"/>
               </a:rPr>
               <a:t>Validation Strategy</a:t>
             </a:r>
@@ -4416,7 +4417,6 @@
                   <a:srgbClr val="000000"/>
                 </a:solidFill>
                 <a:effectLst/>
-                <a:latin typeface="-webkit-standard"/>
               </a:rPr>
               <a:t>How to Run the Application</a:t>
             </a:r>
@@ -4440,12 +4440,100 @@
             <p:ph idx="1"/>
           </p:nvPr>
         </p:nvSpPr>
-        <p:spPr/>
+        <p:spPr>
+          <a:xfrm>
+            <a:off x="838200" y="1608083"/>
+            <a:ext cx="10515600" cy="4568879"/>
+          </a:xfrm>
+        </p:spPr>
         <p:txBody>
           <a:bodyPr>
-            <a:normAutofit fontScale="92500" lnSpcReduction="10000"/>
+            <a:normAutofit fontScale="92500" lnSpcReduction="20000"/>
           </a:bodyPr>
           <a:lstStyle/>
+          <a:p>
+            <a:pPr algn="l"/>
+            <a:r>
+              <a:rPr lang="en-US" b="1" i="0" u="none" strike="noStrike" dirty="0">
+                <a:solidFill>
+                  <a:srgbClr val="000000"/>
+                </a:solidFill>
+                <a:effectLst/>
+              </a:rPr>
+              <a:t>Clone calendar-application project :</a:t>
+            </a:r>
+          </a:p>
+          <a:p>
+            <a:pPr lvl="1"/>
+            <a:r>
+              <a:rPr lang="en-US" dirty="0">
+                <a:solidFill>
+                  <a:srgbClr val="000000"/>
+                </a:solidFill>
+              </a:rPr>
+              <a:t>g</a:t>
+            </a:r>
+            <a:r>
+              <a:rPr lang="en-US" i="0" u="none" strike="noStrike" dirty="0">
+                <a:solidFill>
+                  <a:srgbClr val="000000"/>
+                </a:solidFill>
+                <a:effectLst/>
+              </a:rPr>
+              <a:t>it clone https://</a:t>
+            </a:r>
+            <a:r>
+              <a:rPr lang="en-US" i="0" u="none" strike="noStrike" dirty="0" err="1">
+                <a:solidFill>
+                  <a:srgbClr val="000000"/>
+                </a:solidFill>
+                <a:effectLst/>
+              </a:rPr>
+              <a:t>github.com</a:t>
+            </a:r>
+            <a:r>
+              <a:rPr lang="en-US" i="0" u="none" strike="noStrike" dirty="0">
+                <a:solidFill>
+                  <a:srgbClr val="000000"/>
+                </a:solidFill>
+                <a:effectLst/>
+              </a:rPr>
+              <a:t>/</a:t>
+            </a:r>
+            <a:r>
+              <a:rPr lang="en-US" i="0" u="none" strike="noStrike" dirty="0" err="1">
+                <a:solidFill>
+                  <a:srgbClr val="000000"/>
+                </a:solidFill>
+                <a:effectLst/>
+              </a:rPr>
+              <a:t>KavyaSreeKatakam</a:t>
+            </a:r>
+            <a:r>
+              <a:rPr lang="en-US" i="0" u="none" strike="noStrike" dirty="0">
+                <a:solidFill>
+                  <a:srgbClr val="000000"/>
+                </a:solidFill>
+                <a:effectLst/>
+              </a:rPr>
+              <a:t>/calendar-</a:t>
+            </a:r>
+            <a:r>
+              <a:rPr lang="en-US" i="0" u="none" strike="noStrike" dirty="0" err="1">
+                <a:solidFill>
+                  <a:srgbClr val="000000"/>
+                </a:solidFill>
+                <a:effectLst/>
+              </a:rPr>
+              <a:t>application.git</a:t>
+            </a:r>
+            <a:endParaRPr lang="en-US" i="0" u="none" strike="noStrike" dirty="0">
+              <a:solidFill>
+                <a:srgbClr val="000000"/>
+              </a:solidFill>
+              <a:effectLst/>
+            </a:endParaRPr>
+          </a:p>
           <a:p>
             <a:pPr algn="l"/>
             <a:r>
@@ -4476,7 +4564,7 @@
                 </a:solidFill>
                 <a:effectLst/>
               </a:rPr>
-              <a:t>Navigate to backend folder</a:t>
+              <a:t>Open calendar-backend folder in IntelliJ</a:t>
             </a:r>
           </a:p>
           <a:p>
@@ -4622,7 +4710,7 @@
                 </a:solidFill>
                 <a:effectLst/>
               </a:rPr>
-              <a:t>Navigate to UI folder</a:t>
+              <a:t>Open calendar-app folder in VS Code</a:t>
             </a:r>
           </a:p>
           <a:p>
@@ -4793,7 +4881,6 @@
                   <a:srgbClr val="000000"/>
                 </a:solidFill>
                 <a:effectLst/>
-                <a:latin typeface="-webkit-standard"/>
               </a:rPr>
               <a:t>Seed Data &amp; Test Data</a:t>
             </a:r>
@@ -5962,7 +6049,6 @@
                   <a:srgbClr val="000000"/>
                 </a:solidFill>
                 <a:effectLst/>
-                <a:latin typeface="-webkit-standard"/>
               </a:rPr>
               <a:t>Testing &amp; Verification</a:t>
             </a:r>
@@ -6115,7 +6201,6 @@
                   <a:srgbClr val="000000"/>
                 </a:solidFill>
                 <a:effectLst/>
-                <a:latin typeface="-webkit-standard"/>
               </a:rPr>
               <a:t>Key Assumptions</a:t>
             </a:r>
@@ -6249,7 +6334,7 @@
           <a:lstStyle/>
           <a:p>
             <a:r>
-              <a:rPr lang="en-US" dirty="0"/>
+              <a:rPr lang="en-US" b="1" dirty="0"/>
               <a:t>Future scope and improvements</a:t>
             </a:r>
           </a:p>
@@ -6332,8 +6417,23 @@
                 </a:solidFill>
                 <a:effectLst/>
               </a:rPr>
-              <a:t>Stronger and Controlled Input Validation</a:t>
-            </a:r>
+              <a:t>Stronger and Controlled </a:t>
+            </a:r>
+            <a:r>
+              <a:rPr lang="en-US" b="1" i="0" u="none" strike="noStrike">
+                <a:solidFill>
+                  <a:srgbClr val="000000"/>
+                </a:solidFill>
+                <a:effectLst/>
+              </a:rPr>
+              <a:t>Input Validation</a:t>
+            </a:r>
+            <a:endParaRPr lang="en-US" b="1" i="0" u="none" strike="noStrike" dirty="0">
+              <a:solidFill>
+                <a:srgbClr val="000000"/>
+              </a:solidFill>
+              <a:effectLst/>
+            </a:endParaRPr>
           </a:p>
           <a:p>
             <a:pPr lvl="1"/>
@@ -6361,6 +6461,12 @@
               <a:rPr lang="en-US" dirty="0"/>
               <a:t>Validations for past date while manually editing date and time instead of using Date Picker or Time Picker</a:t>
             </a:r>
+          </a:p>
+          <a:p>
+            <a:pPr marL="914400" lvl="2" indent="0">
+              <a:buNone/>
+            </a:pPr>
+            <a:endParaRPr lang="en-US" dirty="0"/>
           </a:p>
           <a:p>
             <a:pPr marL="0" indent="0">
@@ -6587,7 +6693,7 @@
           <a:lstStyle/>
           <a:p>
             <a:r>
-              <a:rPr lang="en-US" dirty="0"/>
+              <a:rPr lang="en-US" b="1" dirty="0"/>
               <a:t>Overview</a:t>
             </a:r>
           </a:p>
@@ -6738,7 +6844,6 @@
                   <a:srgbClr val="000000"/>
                 </a:solidFill>
                 <a:effectLst/>
-                <a:latin typeface="-webkit-standard"/>
               </a:rPr>
               <a:t>Problem Statement</a:t>
             </a:r>
@@ -6892,7 +6997,6 @@
                   <a:srgbClr val="000000"/>
                 </a:solidFill>
                 <a:effectLst/>
-                <a:latin typeface="-webkit-standard"/>
               </a:rPr>
               <a:t>Overall Approach</a:t>
             </a:r>
@@ -7025,7 +7129,6 @@
                   <a:srgbClr val="000000"/>
                 </a:solidFill>
                 <a:effectLst/>
-                <a:latin typeface="-webkit-standard"/>
               </a:rPr>
               <a:t>Backend Design</a:t>
             </a:r>
@@ -7267,7 +7370,6 @@
                   <a:srgbClr val="000000"/>
                 </a:solidFill>
                 <a:effectLst/>
-                <a:latin typeface="-webkit-standard"/>
               </a:rPr>
               <a:t>Backend Key Files &amp; Folders</a:t>
             </a:r>
@@ -7485,7 +7587,6 @@
                   <a:srgbClr val="000000"/>
                 </a:solidFill>
                 <a:effectLst/>
-                <a:latin typeface="-webkit-standard"/>
               </a:rPr>
               <a:t>Backend Core Features</a:t>
             </a:r>
@@ -7627,7 +7728,6 @@
                   <a:srgbClr val="000000"/>
                 </a:solidFill>
                 <a:effectLst/>
-                <a:latin typeface="-webkit-standard"/>
               </a:rPr>
               <a:t>Frontend Design</a:t>
             </a:r>
@@ -7923,7 +8023,6 @@
                   <a:srgbClr val="000000"/>
                 </a:solidFill>
                 <a:effectLst/>
-                <a:latin typeface="-webkit-standard"/>
               </a:rPr>
               <a:t>Frontend Key Files &amp; Components</a:t>
             </a:r>
